--- a/mathematica-guide/softdevpresentation.pptx
+++ b/mathematica-guide/softdevpresentation.pptx
@@ -27,16 +27,16 @@
   <p:notesSz cx="6858000" cy="9144000"/>
   <p:embeddedFontLst>
     <p:embeddedFont>
-      <p:font typeface="Roboto Slab" panose="020B0604020202020204" charset="0"/>
+      <p:font typeface="Roboto" panose="020B0604020202020204" charset="0"/>
       <p:regular r:id="rId17"/>
       <p:bold r:id="rId18"/>
+      <p:italic r:id="rId19"/>
+      <p:boldItalic r:id="rId20"/>
     </p:embeddedFont>
     <p:embeddedFont>
-      <p:font typeface="Roboto" panose="020B0604020202020204" charset="0"/>
-      <p:regular r:id="rId19"/>
-      <p:bold r:id="rId20"/>
-      <p:italic r:id="rId21"/>
-      <p:boldItalic r:id="rId22"/>
+      <p:font typeface="Roboto Slab" panose="020B0604020202020204" charset="0"/>
+      <p:regular r:id="rId21"/>
+      <p:bold r:id="rId22"/>
     </p:embeddedFont>
   </p:embeddedFontLst>
   <p:defaultTextStyle>
@@ -241,6 +241,11 @@
       </a:defRPr>
     </a:lvl9pPr>
   </p:defaultTextStyle>
+  <p:extLst>
+    <p:ext uri="{EFAFB233-063F-42B5-8137-9DF3F51BA10A}">
+      <p15:sldGuideLst xmlns:p15="http://schemas.microsoft.com/office/powerpoint/2012/main"/>
+    </p:ext>
+  </p:extLst>
 </p:presentation>
 </file>
 
@@ -8383,8 +8388,12 @@
               <a:buChar char="•"/>
             </a:pPr>
             <a:r>
+              <a:rPr lang="en" smtClean="0"/>
+              <a:t>Free-form </a:t>
+            </a:r>
+            <a:r>
               <a:rPr lang="en" dirty="0"/>
-              <a:t>Free-from input:</a:t>
+              <a:t>input:</a:t>
             </a:r>
           </a:p>
           <a:p>
